--- a/Threat_modeling_Introduction.pptx
+++ b/Threat_modeling_Introduction.pptx
@@ -5,10 +5,10 @@
     <p:sldMasterId id="2147483648" r:id="rId1"/>
   </p:sldMasterIdLst>
   <p:notesMasterIdLst>
-    <p:notesMasterId r:id="rId25"/>
+    <p:notesMasterId r:id="rId26"/>
   </p:notesMasterIdLst>
   <p:handoutMasterIdLst>
-    <p:handoutMasterId r:id="rId26"/>
+    <p:handoutMasterId r:id="rId27"/>
   </p:handoutMasterIdLst>
   <p:sldIdLst>
     <p:sldId id="256" r:id="rId2"/>
@@ -27,13 +27,14 @@
     <p:sldId id="277" r:id="rId15"/>
     <p:sldId id="262" r:id="rId16"/>
     <p:sldId id="276" r:id="rId17"/>
-    <p:sldId id="266" r:id="rId18"/>
-    <p:sldId id="263" r:id="rId19"/>
-    <p:sldId id="265" r:id="rId20"/>
-    <p:sldId id="274" r:id="rId21"/>
-    <p:sldId id="275" r:id="rId22"/>
-    <p:sldId id="267" r:id="rId23"/>
-    <p:sldId id="268" r:id="rId24"/>
+    <p:sldId id="279" r:id="rId18"/>
+    <p:sldId id="266" r:id="rId19"/>
+    <p:sldId id="263" r:id="rId20"/>
+    <p:sldId id="265" r:id="rId21"/>
+    <p:sldId id="274" r:id="rId22"/>
+    <p:sldId id="275" r:id="rId23"/>
+    <p:sldId id="267" r:id="rId24"/>
+    <p:sldId id="268" r:id="rId25"/>
   </p:sldIdLst>
   <p:sldSz cx="12192000" cy="6858000"/>
   <p:notesSz cx="6858000" cy="9144000"/>
@@ -4991,71 +4992,91 @@
           <a:lstStyle/>
           <a:p>
             <a:r>
+              <a:rPr lang="en-US" dirty="0" smtClean="0"/>
+              <a:t>Tool for Diagramming </a:t>
+            </a:r>
+            <a:endParaRPr lang="en-US" dirty="0"/>
+          </a:p>
+        </p:txBody>
+      </p:sp>
+      <p:sp>
+        <p:nvSpPr>
+          <p:cNvPr id="3" name="Content Placeholder 2"/>
+          <p:cNvSpPr>
+            <a:spLocks noGrp="1"/>
+          </p:cNvSpPr>
+          <p:nvPr>
+            <p:ph idx="1"/>
+          </p:nvPr>
+        </p:nvSpPr>
+        <p:spPr/>
+        <p:txBody>
+          <a:bodyPr/>
+          <a:lstStyle/>
+          <a:p>
+            <a:r>
+              <a:rPr lang="en-US" dirty="0" smtClean="0"/>
+              <a:t>There are </a:t>
+            </a:r>
+            <a:r>
+              <a:rPr lang="en-US" b="1" dirty="0" smtClean="0"/>
+              <a:t>many different tools</a:t>
+            </a:r>
+            <a:r>
+              <a:rPr lang="en-US" dirty="0" smtClean="0"/>
+              <a:t> that can be used to create and keep our Threat Models. </a:t>
+            </a:r>
+          </a:p>
+          <a:p>
+            <a:r>
+              <a:rPr lang="en-US" dirty="0" smtClean="0"/>
+              <a:t>Choosing the right one is to think about what should be threat modeled, how many details we want to include, and what would be comfortable to use. </a:t>
+            </a:r>
+          </a:p>
+          <a:p>
+            <a:r>
+              <a:rPr lang="en-US" dirty="0" smtClean="0"/>
+              <a:t>Mostly it’s matter of preference. </a:t>
+            </a:r>
+            <a:endParaRPr lang="en-US" dirty="0"/>
+          </a:p>
+          <a:p>
+            <a:r>
+              <a:rPr lang="en-US" sz="2800" dirty="0" smtClean="0"/>
+              <a:t>Some examples:</a:t>
+            </a:r>
+          </a:p>
+          <a:p>
+            <a:pPr>
+              <a:buFont typeface="Wingdings" charset="2"/>
+              <a:buChar char="q"/>
+            </a:pPr>
+            <a:r>
+              <a:rPr lang="en-US" dirty="0" smtClean="0"/>
+              <a:t>MS Visio</a:t>
+            </a:r>
+          </a:p>
+          <a:p>
+            <a:pPr>
+              <a:buFont typeface="Wingdings" charset="2"/>
+              <a:buChar char="q"/>
+            </a:pPr>
+            <a:r>
+              <a:rPr lang="en-US" dirty="0" err="1" smtClean="0"/>
+              <a:t>PyTM</a:t>
+            </a:r>
+            <a:endParaRPr lang="en-US" dirty="0" smtClean="0"/>
+          </a:p>
+          <a:p>
+            <a:pPr>
+              <a:buFont typeface="Wingdings" charset="2"/>
+              <a:buChar char="q"/>
+            </a:pPr>
+            <a:r>
               <a:rPr lang="en-US" dirty="0"/>
-              <a:t>Checking the model</a:t>
-            </a:r>
-          </a:p>
-        </p:txBody>
-      </p:sp>
-      <p:sp>
-        <p:nvSpPr>
-          <p:cNvPr id="3" name="Content Placeholder 2"/>
-          <p:cNvSpPr>
-            <a:spLocks noGrp="1"/>
-          </p:cNvSpPr>
-          <p:nvPr>
-            <p:ph idx="1"/>
-          </p:nvPr>
-        </p:nvSpPr>
-        <p:spPr/>
-        <p:txBody>
-          <a:bodyPr/>
-          <a:lstStyle/>
-          <a:p>
-            <a:pPr marL="0" indent="0">
-              <a:buNone/>
-            </a:pPr>
-            <a:endParaRPr lang="en-US" dirty="0"/>
-          </a:p>
-          <a:p>
-            <a:pPr>
-              <a:buFont typeface="Wingdings" panose="05000000000000000000" pitchFamily="2" charset="2"/>
-              <a:buChar char="§"/>
-            </a:pPr>
-            <a:r>
-              <a:rPr lang="en-US" dirty="0"/>
-              <a:t>Is it complete?</a:t>
-            </a:r>
-          </a:p>
-          <a:p>
-            <a:pPr>
-              <a:buFont typeface="Wingdings" panose="05000000000000000000" pitchFamily="2" charset="2"/>
-              <a:buChar char="§"/>
-            </a:pPr>
-            <a:r>
-              <a:rPr lang="en-US" dirty="0"/>
-              <a:t>Is it accurate?</a:t>
-            </a:r>
-          </a:p>
-          <a:p>
-            <a:pPr>
-              <a:buFont typeface="Wingdings" panose="05000000000000000000" pitchFamily="2" charset="2"/>
-              <a:buChar char="§"/>
-            </a:pPr>
-            <a:r>
-              <a:rPr lang="en-US" dirty="0"/>
-              <a:t>Does it cover all security decisions we made?</a:t>
-            </a:r>
-          </a:p>
-          <a:p>
-            <a:pPr>
-              <a:buFont typeface="Wingdings" panose="05000000000000000000" pitchFamily="2" charset="2"/>
-              <a:buChar char="§"/>
-            </a:pPr>
-            <a:r>
-              <a:rPr lang="en-US" dirty="0"/>
-              <a:t>Can we start next version with this diagram without any changes?</a:t>
-            </a:r>
+              <a:t>OWASP Threat Dragon</a:t>
+            </a:r>
+            <a:endParaRPr lang="en-US" dirty="0" smtClean="0"/>
           </a:p>
         </p:txBody>
       </p:sp>
@@ -5085,7 +5106,7 @@
     </p:spTree>
     <p:extLst>
       <p:ext uri="{BB962C8B-B14F-4D97-AF65-F5344CB8AC3E}">
-        <p14:creationId xmlns:p14="http://schemas.microsoft.com/office/powerpoint/2010/main" val="3308197359"/>
+        <p14:creationId xmlns:p14="http://schemas.microsoft.com/office/powerpoint/2010/main" val="1059783793"/>
       </p:ext>
     </p:extLst>
   </p:cSld>
@@ -5128,10 +5149,9 @@
           <a:lstStyle/>
           <a:p>
             <a:r>
-              <a:rPr lang="en-US" dirty="0" smtClean="0"/>
-              <a:t>What to do with the findings</a:t>
-            </a:r>
-            <a:endParaRPr lang="en-US" dirty="0"/>
+              <a:rPr lang="en-US" dirty="0"/>
+              <a:t>Checking the model</a:t>
+            </a:r>
           </a:p>
         </p:txBody>
       </p:sp>
@@ -5147,18 +5167,22 @@
         </p:nvSpPr>
         <p:spPr/>
         <p:txBody>
-          <a:bodyPr>
-            <a:normAutofit fontScale="92500" lnSpcReduction="20000"/>
-          </a:bodyPr>
-          <a:lstStyle/>
+          <a:bodyPr/>
+          <a:lstStyle/>
+          <a:p>
+            <a:pPr marL="0" indent="0">
+              <a:buNone/>
+            </a:pPr>
+            <a:endParaRPr lang="en-US" dirty="0"/>
+          </a:p>
           <a:p>
             <a:pPr>
               <a:buFont typeface="Wingdings" panose="05000000000000000000" pitchFamily="2" charset="2"/>
               <a:buChar char="§"/>
             </a:pPr>
             <a:r>
-              <a:rPr lang="en-US" dirty="0" smtClean="0"/>
-              <a:t>Mitigation Strategy</a:t>
+              <a:rPr lang="en-US" dirty="0"/>
+              <a:t>Is it complete?</a:t>
             </a:r>
           </a:p>
           <a:p>
@@ -5167,10 +5191,9 @@
               <a:buChar char="§"/>
             </a:pPr>
             <a:r>
-              <a:rPr lang="en-US" dirty="0" smtClean="0"/>
-              <a:t>Mitigation and Elimination techniques</a:t>
-            </a:r>
-            <a:endParaRPr lang="en-US" dirty="0"/>
+              <a:rPr lang="en-US" dirty="0"/>
+              <a:t>Is it accurate?</a:t>
+            </a:r>
           </a:p>
           <a:p>
             <a:pPr>
@@ -5178,8 +5201,8 @@
               <a:buChar char="§"/>
             </a:pPr>
             <a:r>
-              <a:rPr lang="en-US" dirty="0" smtClean="0"/>
-              <a:t>Creating controls</a:t>
+              <a:rPr lang="en-US" dirty="0"/>
+              <a:t>Does it cover all security decisions we made?</a:t>
             </a:r>
           </a:p>
           <a:p>
@@ -5188,55 +5211,9 @@
               <a:buChar char="§"/>
             </a:pPr>
             <a:r>
-              <a:rPr lang="en-US" dirty="0" smtClean="0"/>
-              <a:t>Tracking the issues</a:t>
-            </a:r>
-          </a:p>
-          <a:p>
-            <a:endParaRPr lang="en-US" dirty="0"/>
-          </a:p>
-          <a:p>
-            <a:r>
-              <a:rPr lang="en-US" b="1" dirty="0" smtClean="0"/>
-              <a:t>Example</a:t>
-            </a:r>
-            <a:r>
-              <a:rPr lang="en-US" dirty="0" smtClean="0"/>
-              <a:t> of mitigation strategy and technique for Spoofing a person threat:</a:t>
-            </a:r>
-          </a:p>
-          <a:p>
-            <a:r>
-              <a:rPr lang="en-US" b="1" dirty="0" smtClean="0"/>
-              <a:t>Strategy</a:t>
-            </a:r>
-            <a:r>
-              <a:rPr lang="en-US" dirty="0" smtClean="0"/>
-              <a:t>: Identification and authentication.</a:t>
-            </a:r>
-          </a:p>
-          <a:p>
-            <a:r>
-              <a:rPr lang="en-US" b="1" dirty="0" smtClean="0"/>
-              <a:t>Technique</a:t>
-            </a:r>
-            <a:r>
-              <a:rPr lang="en-US" dirty="0" smtClean="0"/>
-              <a:t>: Usernames, real names, or other identifiers.</a:t>
-            </a:r>
-          </a:p>
-          <a:p>
-            <a:r>
-              <a:rPr lang="en-US" dirty="0" smtClean="0"/>
-              <a:t>Passwords, Tokens, Biometrics. </a:t>
-            </a:r>
-          </a:p>
-          <a:p>
-            <a:r>
-              <a:rPr lang="en-US" dirty="0" smtClean="0"/>
-              <a:t>Enrollment, maintenance, expiry.</a:t>
-            </a:r>
-            <a:endParaRPr lang="en-US" dirty="0"/>
+              <a:rPr lang="en-US" dirty="0"/>
+              <a:t>Can we start next version with this diagram without any changes?</a:t>
+            </a:r>
           </a:p>
         </p:txBody>
       </p:sp>
@@ -5266,7 +5243,7 @@
     </p:spTree>
     <p:extLst>
       <p:ext uri="{BB962C8B-B14F-4D97-AF65-F5344CB8AC3E}">
-        <p14:creationId xmlns:p14="http://schemas.microsoft.com/office/powerpoint/2010/main" val="2325423087"/>
+        <p14:creationId xmlns:p14="http://schemas.microsoft.com/office/powerpoint/2010/main" val="3308197359"/>
       </p:ext>
     </p:extLst>
   </p:cSld>
@@ -5310,7 +5287,7 @@
           <a:p>
             <a:r>
               <a:rPr lang="en-US" dirty="0" smtClean="0"/>
-              <a:t>Validation the threats</a:t>
+              <a:t>What to do with the findings</a:t>
             </a:r>
             <a:endParaRPr lang="en-US" dirty="0"/>
           </a:p>
@@ -5328,31 +5305,96 @@
         </p:nvSpPr>
         <p:spPr/>
         <p:txBody>
-          <a:bodyPr/>
-          <a:lstStyle/>
-          <a:p>
-            <a:r>
-              <a:rPr lang="en-US" dirty="0" smtClean="0"/>
-              <a:t>1. Have we written down or filed a bug for each threat?</a:t>
-            </a:r>
-          </a:p>
-          <a:p>
-            <a:r>
-              <a:rPr lang="en-US" dirty="0" smtClean="0"/>
-              <a:t>2. Is there a planned or implemented way to address each threat?</a:t>
-            </a:r>
-          </a:p>
-          <a:p>
-            <a:r>
-              <a:rPr lang="en-US" dirty="0" smtClean="0"/>
-              <a:t>3. Do we have a test case per threat?</a:t>
-            </a:r>
-          </a:p>
-          <a:p>
-            <a:r>
-              <a:rPr lang="en-US" dirty="0" smtClean="0"/>
-              <a:t>4. Has the software passed the test?</a:t>
-            </a:r>
+          <a:bodyPr>
+            <a:normAutofit fontScale="92500" lnSpcReduction="20000"/>
+          </a:bodyPr>
+          <a:lstStyle/>
+          <a:p>
+            <a:pPr>
+              <a:buFont typeface="Wingdings" panose="05000000000000000000" pitchFamily="2" charset="2"/>
+              <a:buChar char="§"/>
+            </a:pPr>
+            <a:r>
+              <a:rPr lang="en-US" dirty="0" smtClean="0"/>
+              <a:t>Mitigation Strategy</a:t>
+            </a:r>
+          </a:p>
+          <a:p>
+            <a:pPr>
+              <a:buFont typeface="Wingdings" panose="05000000000000000000" pitchFamily="2" charset="2"/>
+              <a:buChar char="§"/>
+            </a:pPr>
+            <a:r>
+              <a:rPr lang="en-US" dirty="0" smtClean="0"/>
+              <a:t>Mitigation and Elimination techniques</a:t>
+            </a:r>
+            <a:endParaRPr lang="en-US" dirty="0"/>
+          </a:p>
+          <a:p>
+            <a:pPr>
+              <a:buFont typeface="Wingdings" panose="05000000000000000000" pitchFamily="2" charset="2"/>
+              <a:buChar char="§"/>
+            </a:pPr>
+            <a:r>
+              <a:rPr lang="en-US" dirty="0" smtClean="0"/>
+              <a:t>Creating controls</a:t>
+            </a:r>
+          </a:p>
+          <a:p>
+            <a:pPr>
+              <a:buFont typeface="Wingdings" panose="05000000000000000000" pitchFamily="2" charset="2"/>
+              <a:buChar char="§"/>
+            </a:pPr>
+            <a:r>
+              <a:rPr lang="en-US" dirty="0" smtClean="0"/>
+              <a:t>Tracking the issues</a:t>
+            </a:r>
+          </a:p>
+          <a:p>
+            <a:endParaRPr lang="en-US" dirty="0"/>
+          </a:p>
+          <a:p>
+            <a:r>
+              <a:rPr lang="en-US" b="1" dirty="0" smtClean="0"/>
+              <a:t>Example</a:t>
+            </a:r>
+            <a:r>
+              <a:rPr lang="en-US" dirty="0" smtClean="0"/>
+              <a:t> of mitigation strategy and technique for Spoofing a person threat:</a:t>
+            </a:r>
+          </a:p>
+          <a:p>
+            <a:r>
+              <a:rPr lang="en-US" b="1" dirty="0" smtClean="0"/>
+              <a:t>Strategy</a:t>
+            </a:r>
+            <a:r>
+              <a:rPr lang="en-US" dirty="0" smtClean="0"/>
+              <a:t>: Identification and authentication.</a:t>
+            </a:r>
+          </a:p>
+          <a:p>
+            <a:r>
+              <a:rPr lang="en-US" b="1" dirty="0" smtClean="0"/>
+              <a:t>Technique</a:t>
+            </a:r>
+            <a:r>
+              <a:rPr lang="en-US" dirty="0" smtClean="0"/>
+              <a:t>: Usernames, real names, or other identifiers.</a:t>
+            </a:r>
+          </a:p>
+          <a:p>
+            <a:r>
+              <a:rPr lang="en-US" dirty="0" smtClean="0"/>
+              <a:t>Passwords, Tokens, Biometrics. </a:t>
+            </a:r>
+          </a:p>
+          <a:p>
+            <a:r>
+              <a:rPr lang="en-US" dirty="0" smtClean="0"/>
+              <a:t>Enrollment, maintenance, expiry.</a:t>
+            </a:r>
+            <a:endParaRPr lang="en-US" dirty="0"/>
           </a:p>
         </p:txBody>
       </p:sp>
@@ -5382,7 +5424,7 @@
     </p:spTree>
     <p:extLst>
       <p:ext uri="{BB962C8B-B14F-4D97-AF65-F5344CB8AC3E}">
-        <p14:creationId xmlns:p14="http://schemas.microsoft.com/office/powerpoint/2010/main" val="1986966926"/>
+        <p14:creationId xmlns:p14="http://schemas.microsoft.com/office/powerpoint/2010/main" val="2325423087"/>
       </p:ext>
     </p:extLst>
   </p:cSld>
@@ -5590,6 +5632,122 @@
           <a:p>
             <a:r>
               <a:rPr lang="en-US" dirty="0" smtClean="0"/>
+              <a:t>Validation the threats</a:t>
+            </a:r>
+            <a:endParaRPr lang="en-US" dirty="0"/>
+          </a:p>
+        </p:txBody>
+      </p:sp>
+      <p:sp>
+        <p:nvSpPr>
+          <p:cNvPr id="3" name="Content Placeholder 2"/>
+          <p:cNvSpPr>
+            <a:spLocks noGrp="1"/>
+          </p:cNvSpPr>
+          <p:nvPr>
+            <p:ph idx="1"/>
+          </p:nvPr>
+        </p:nvSpPr>
+        <p:spPr/>
+        <p:txBody>
+          <a:bodyPr/>
+          <a:lstStyle/>
+          <a:p>
+            <a:r>
+              <a:rPr lang="en-US" dirty="0" smtClean="0"/>
+              <a:t>1. Have we written down or filed a bug for each threat?</a:t>
+            </a:r>
+          </a:p>
+          <a:p>
+            <a:r>
+              <a:rPr lang="en-US" dirty="0" smtClean="0"/>
+              <a:t>2. Is there a planned or implemented way to address each threat?</a:t>
+            </a:r>
+          </a:p>
+          <a:p>
+            <a:r>
+              <a:rPr lang="en-US" dirty="0" smtClean="0"/>
+              <a:t>3. Do we have a test case per threat?</a:t>
+            </a:r>
+          </a:p>
+          <a:p>
+            <a:r>
+              <a:rPr lang="en-US" dirty="0" smtClean="0"/>
+              <a:t>4. Has the software passed the test?</a:t>
+            </a:r>
+          </a:p>
+        </p:txBody>
+      </p:sp>
+      <p:sp>
+        <p:nvSpPr>
+          <p:cNvPr id="4" name="Footer Placeholder 3"/>
+          <p:cNvSpPr>
+            <a:spLocks noGrp="1"/>
+          </p:cNvSpPr>
+          <p:nvPr>
+            <p:ph type="ftr" sz="quarter" idx="11"/>
+          </p:nvPr>
+        </p:nvSpPr>
+        <p:spPr/>
+        <p:txBody>
+          <a:bodyPr/>
+          <a:lstStyle/>
+          <a:p>
+            <a:r>
+              <a:rPr lang="tr-TR" smtClean="0"/>
+              <a:t>By Alina Yakubenko. </a:t>
+            </a:r>
+            <a:endParaRPr lang="en-US" dirty="0"/>
+          </a:p>
+        </p:txBody>
+      </p:sp>
+    </p:spTree>
+    <p:extLst>
+      <p:ext uri="{BB962C8B-B14F-4D97-AF65-F5344CB8AC3E}">
+        <p14:creationId xmlns:p14="http://schemas.microsoft.com/office/powerpoint/2010/main" val="1986966926"/>
+      </p:ext>
+    </p:extLst>
+  </p:cSld>
+  <p:clrMapOvr>
+    <a:masterClrMapping/>
+  </p:clrMapOvr>
+</p:sld>
+</file>
+
+<file path=ppt/slides/slide21.xml><?xml version="1.0" encoding="utf-8"?>
+<p:sld xmlns:a="http://schemas.openxmlformats.org/drawingml/2006/main" xmlns:r="http://schemas.openxmlformats.org/officeDocument/2006/relationships" xmlns:p="http://schemas.openxmlformats.org/presentationml/2006/main">
+  <p:cSld>
+    <p:spTree>
+      <p:nvGrpSpPr>
+        <p:cNvPr id="1" name=""/>
+        <p:cNvGrpSpPr/>
+        <p:nvPr/>
+      </p:nvGrpSpPr>
+      <p:grpSpPr>
+        <a:xfrm>
+          <a:off x="0" y="0"/>
+          <a:ext cx="0" cy="0"/>
+          <a:chOff x="0" y="0"/>
+          <a:chExt cx="0" cy="0"/>
+        </a:xfrm>
+      </p:grpSpPr>
+      <p:sp>
+        <p:nvSpPr>
+          <p:cNvPr id="2" name="Title 1"/>
+          <p:cNvSpPr>
+            <a:spLocks noGrp="1"/>
+          </p:cNvSpPr>
+          <p:nvPr>
+            <p:ph type="title"/>
+          </p:nvPr>
+        </p:nvSpPr>
+        <p:spPr/>
+        <p:txBody>
+          <a:bodyPr/>
+          <a:lstStyle/>
+          <a:p>
+            <a:r>
+              <a:rPr lang="en-US" dirty="0" smtClean="0"/>
               <a:t>N</a:t>
             </a:r>
             <a:r>
@@ -5690,7 +5848,7 @@
 </p:sld>
 </file>
 
-<file path=ppt/slides/slide21.xml><?xml version="1.0" encoding="utf-8"?>
+<file path=ppt/slides/slide22.xml><?xml version="1.0" encoding="utf-8"?>
 <p:sld xmlns:a="http://schemas.openxmlformats.org/drawingml/2006/main" xmlns:r="http://schemas.openxmlformats.org/officeDocument/2006/relationships" xmlns:p="http://schemas.openxmlformats.org/presentationml/2006/main">
   <p:cSld>
     <p:spTree>
@@ -5815,7 +5973,7 @@
 </p:sld>
 </file>
 
-<file path=ppt/slides/slide22.xml><?xml version="1.0" encoding="utf-8"?>
+<file path=ppt/slides/slide23.xml><?xml version="1.0" encoding="utf-8"?>
 <p:sld xmlns:a="http://schemas.openxmlformats.org/drawingml/2006/main" xmlns:r="http://schemas.openxmlformats.org/officeDocument/2006/relationships" xmlns:p="http://schemas.openxmlformats.org/presentationml/2006/main">
   <p:cSld>
     <p:spTree>
@@ -5896,7 +6054,7 @@
 </p:sld>
 </file>
 
-<file path=ppt/slides/slide23.xml><?xml version="1.0" encoding="utf-8"?>
+<file path=ppt/slides/slide24.xml><?xml version="1.0" encoding="utf-8"?>
 <p:sld xmlns:a="http://schemas.openxmlformats.org/drawingml/2006/main" xmlns:r="http://schemas.openxmlformats.org/officeDocument/2006/relationships" xmlns:p="http://schemas.openxmlformats.org/presentationml/2006/main">
   <p:cSld>
     <p:spTree>

--- a/Threat_modeling_Introduction.pptx
+++ b/Threat_modeling_Introduction.pptx
@@ -218,7 +218,7 @@
           <a:p>
             <a:fld id="{F2BA9116-6C75-F242-A646-3597785F26D4}" type="datetimeFigureOut">
               <a:rPr lang="en-US" smtClean="0"/>
-              <a:t>25/8/19</a:t>
+              <a:t>12/9/19</a:t>
             </a:fld>
             <a:endParaRPr lang="en-US"/>
           </a:p>
@@ -384,7 +384,7 @@
           <a:p>
             <a:fld id="{B0C17362-A1E8-48A6-AD6B-F0B45DCDDA17}" type="datetimeFigureOut">
               <a:rPr lang="en-US" smtClean="0"/>
-              <a:t>25/8/19</a:t>
+              <a:t>12/9/19</a:t>
             </a:fld>
             <a:endParaRPr lang="en-US"/>
           </a:p>
@@ -927,7 +927,7 @@
           <a:p>
             <a:fld id="{4ABD298C-B5A0-C44B-ADB5-AF3CAA005645}" type="datetime1">
               <a:rPr lang="en-AU" smtClean="0"/>
-              <a:t>25/8/19</a:t>
+              <a:t>12/9/19</a:t>
             </a:fld>
             <a:endParaRPr lang="en-US" dirty="0"/>
           </a:p>
@@ -1131,7 +1131,7 @@
           <a:p>
             <a:fld id="{4B4B8CC7-FAE9-9547-BFFF-79C73743F83C}" type="datetime1">
               <a:rPr lang="en-AU" smtClean="0"/>
-              <a:t>25/8/19</a:t>
+              <a:t>12/9/19</a:t>
             </a:fld>
             <a:endParaRPr lang="en-US" dirty="0"/>
           </a:p>
@@ -1310,7 +1310,7 @@
           <a:p>
             <a:fld id="{29B2BE42-9F2D-7C48-ABB1-D68D52330FA6}" type="datetime1">
               <a:rPr lang="en-AU" smtClean="0"/>
-              <a:t>25/8/19</a:t>
+              <a:t>12/9/19</a:t>
             </a:fld>
             <a:endParaRPr lang="en-US" dirty="0"/>
           </a:p>
@@ -1514,7 +1514,7 @@
           <a:p>
             <a:fld id="{FFAD99FD-2683-9348-B6B8-B31DE91BE450}" type="datetime1">
               <a:rPr lang="en-AU" smtClean="0"/>
-              <a:t>25/8/19</a:t>
+              <a:t>12/9/19</a:t>
             </a:fld>
             <a:endParaRPr lang="en-US" dirty="0"/>
           </a:p>
@@ -1808,7 +1808,7 @@
           <a:p>
             <a:fld id="{04B82528-18AC-4645-9CD0-7AB3C48EA18D}" type="datetime1">
               <a:rPr lang="en-AU" smtClean="0"/>
-              <a:t>25/8/19</a:t>
+              <a:t>12/9/19</a:t>
             </a:fld>
             <a:endParaRPr lang="en-US" dirty="0"/>
           </a:p>
@@ -2079,7 +2079,7 @@
           <a:p>
             <a:fld id="{5014895B-BF79-D04E-9568-F298C2156701}" type="datetime1">
               <a:rPr lang="en-AU" smtClean="0"/>
-              <a:t>25/8/19</a:t>
+              <a:t>12/9/19</a:t>
             </a:fld>
             <a:endParaRPr lang="en-US" dirty="0"/>
           </a:p>
@@ -2485,7 +2485,7 @@
           <a:p>
             <a:fld id="{7744BE19-3DBB-2A46-89CE-105DAE520AB9}" type="datetime1">
               <a:rPr lang="en-AU" smtClean="0"/>
-              <a:t>25/8/19</a:t>
+              <a:t>12/9/19</a:t>
             </a:fld>
             <a:endParaRPr lang="en-US" dirty="0"/>
           </a:p>
@@ -2602,7 +2602,7 @@
           <a:p>
             <a:fld id="{879E6385-CC4D-1E40-B0B2-2DBDF9019F12}" type="datetime1">
               <a:rPr lang="en-AU" smtClean="0"/>
-              <a:t>25/8/19</a:t>
+              <a:t>12/9/19</a:t>
             </a:fld>
             <a:endParaRPr lang="en-US" dirty="0"/>
           </a:p>
@@ -2696,7 +2696,7 @@
           <a:p>
             <a:fld id="{CE4C2297-E62C-994E-B469-AC5AFAFE3838}" type="datetime1">
               <a:rPr lang="en-AU" smtClean="0"/>
-              <a:t>25/8/19</a:t>
+              <a:t>12/9/19</a:t>
             </a:fld>
             <a:endParaRPr lang="en-US" dirty="0"/>
           </a:p>
@@ -2985,7 +2985,7 @@
           <a:p>
             <a:fld id="{9C541245-D8C7-DF4E-AF41-124D0082997E}" type="datetime1">
               <a:rPr lang="en-AU" smtClean="0"/>
-              <a:t>25/8/19</a:t>
+              <a:t>12/9/19</a:t>
             </a:fld>
             <a:endParaRPr lang="en-US" dirty="0"/>
           </a:p>
@@ -3264,7 +3264,7 @@
           <a:p>
             <a:fld id="{F4D4ED53-1A15-924D-A1AE-5F2D200B790C}" type="datetime1">
               <a:rPr lang="en-AU" smtClean="0"/>
-              <a:t>25/8/19</a:t>
+              <a:t>12/9/19</a:t>
             </a:fld>
             <a:endParaRPr lang="en-US" dirty="0"/>
           </a:p>
@@ -3513,7 +3513,7 @@
           <a:p>
             <a:fld id="{643705EC-F04C-8C48-8003-8663B4072486}" type="datetime1">
               <a:rPr lang="en-AU" smtClean="0"/>
-              <a:t>25/8/19</a:t>
+              <a:t>12/9/19</a:t>
             </a:fld>
             <a:endParaRPr lang="en-US" dirty="0"/>
           </a:p>
@@ -4237,11 +4237,7 @@
           <a:p>
             <a:r>
               <a:rPr lang="en-US" dirty="0" smtClean="0"/>
-              <a:t>S</a:t>
-            </a:r>
-            <a:r>
-              <a:rPr lang="en-US" dirty="0" smtClean="0"/>
-              <a:t>tride-per-interaction</a:t>
+              <a:t>Stride-per-interaction</a:t>
             </a:r>
             <a:endParaRPr lang="en-US" dirty="0"/>
           </a:p>
@@ -5491,7 +5487,15 @@
           <a:p>
             <a:r>
               <a:rPr lang="en-US" sz="2800" b="1" dirty="0" smtClean="0"/>
-              <a:t>What: Hacking the application before it was designed.</a:t>
+              <a:t>What: Hacking the application </a:t>
+            </a:r>
+            <a:r>
+              <a:rPr lang="en-US" sz="2800" b="1" dirty="0" smtClean="0"/>
+              <a:t>while it is designed</a:t>
+            </a:r>
+            <a:r>
+              <a:rPr lang="en-US" sz="2800" b="1" dirty="0" smtClean="0"/>
+              <a:t>.</a:t>
             </a:r>
           </a:p>
           <a:p>
@@ -5505,15 +5509,15 @@
             </a:r>
             <a:r>
               <a:rPr lang="en-US" sz="2800" b="1" dirty="0" smtClean="0"/>
-              <a:t>reate a secure design of a future </a:t>
+              <a:t>reate a secure design of a future application </a:t>
             </a:r>
             <a:r>
               <a:rPr lang="en-US" sz="2800" b="1" dirty="0" smtClean="0"/>
-              <a:t>application </a:t>
+              <a:t>or </a:t>
             </a:r>
             <a:r>
               <a:rPr lang="en-US" sz="2800" b="1" dirty="0" smtClean="0"/>
-              <a:t>or API</a:t>
+              <a:t>API</a:t>
             </a:r>
           </a:p>
           <a:p>
@@ -5536,7 +5540,15 @@
             </a:pPr>
             <a:r>
               <a:rPr lang="en-US" dirty="0" smtClean="0"/>
-              <a:t>Reduce number of possible issue found on the later stages</a:t>
+              <a:t>Reduce number of possible issue found on </a:t>
+            </a:r>
+            <a:r>
+              <a:rPr lang="en-US" dirty="0" smtClean="0"/>
+              <a:t>later </a:t>
+            </a:r>
+            <a:r>
+              <a:rPr lang="en-US" dirty="0" smtClean="0"/>
+              <a:t>stages</a:t>
             </a:r>
           </a:p>
           <a:p>
@@ -5631,8 +5643,12 @@
           <a:lstStyle/>
           <a:p>
             <a:r>
-              <a:rPr lang="en-US" dirty="0" smtClean="0"/>
-              <a:t>Validation the threats</a:t>
+              <a:rPr lang="en-US" smtClean="0"/>
+              <a:t>Validation </a:t>
+            </a:r>
+            <a:r>
+              <a:rPr lang="en-US" smtClean="0"/>
+              <a:t>of threats</a:t>
             </a:r>
             <a:endParaRPr lang="en-US" dirty="0"/>
           </a:p>
@@ -5748,11 +5764,7 @@
           <a:p>
             <a:r>
               <a:rPr lang="en-US" dirty="0" smtClean="0"/>
-              <a:t>N</a:t>
-            </a:r>
-            <a:r>
-              <a:rPr lang="en-US" dirty="0" smtClean="0"/>
-              <a:t>umber of different approaches</a:t>
+              <a:t>Number of different approaches</a:t>
             </a:r>
             <a:endParaRPr lang="en-US" dirty="0"/>
           </a:p>
@@ -6088,11 +6100,7 @@
           <a:p>
             <a:r>
               <a:rPr lang="en-US" dirty="0" smtClean="0"/>
-              <a:t>Materials </a:t>
-            </a:r>
-            <a:r>
-              <a:rPr lang="en-US" dirty="0" smtClean="0"/>
-              <a:t>used</a:t>
+              <a:t>Materials used</a:t>
             </a:r>
             <a:endParaRPr lang="en-US" dirty="0"/>
           </a:p>
@@ -6142,7 +6150,6 @@
               <a:rPr lang="en-US" sz="2400" dirty="0" smtClean="0"/>
               <a:t>resources to dig into</a:t>
             </a:r>
-            <a:endParaRPr lang="en-US" sz="2400" dirty="0" smtClean="0"/>
           </a:p>
           <a:p>
             <a:pPr>
@@ -6195,15 +6202,7 @@
             </a:r>
             <a:r>
               <a:rPr lang="en-US" sz="1800" dirty="0" smtClean="0"/>
-              <a:t>(including </a:t>
-            </a:r>
-            <a:r>
-              <a:rPr lang="en-US" sz="1800" dirty="0" smtClean="0"/>
-              <a:t>video </a:t>
-            </a:r>
-            <a:r>
-              <a:rPr lang="en-US" sz="1800" dirty="0" smtClean="0"/>
-              <a:t>recordings from the conferences)</a:t>
+              <a:t>(including video recordings from the conferences)</a:t>
             </a:r>
           </a:p>
           <a:p>
@@ -7554,7 +7553,7 @@
   <a:extraClrSchemeLst/>
   <a:extLst>
     <a:ext uri="{05A4C25C-085E-4340-85A3-A5531E510DB2}">
-      <thm15:themeFamily xmlns:thm15="http://schemas.microsoft.com/office/thememl/2012/main" xmlns="" name="Integral" id="{3577F8C9-A904-41D8-97D2-FD898F53F20E}" vid="{090DCB5F-146D-478A-852A-34B16FE9F3A8}"/>
+      <thm15:themeFamily xmlns="" xmlns:thm15="http://schemas.microsoft.com/office/thememl/2012/main" name="Integral" id="{3577F8C9-A904-41D8-97D2-FD898F53F20E}" vid="{090DCB5F-146D-478A-852A-34B16FE9F3A8}"/>
     </a:ext>
   </a:extLst>
 </a:theme>
@@ -7815,7 +7814,7 @@
   <a:extraClrSchemeLst/>
   <a:extLst>
     <a:ext uri="{05A4C25C-085E-4340-85A3-A5531E510DB2}">
-      <thm15:themeFamily xmlns:thm15="http://schemas.microsoft.com/office/thememl/2012/main" xmlns="" name="Office Theme" id="{62F939B6-93AF-4DB8-9C6B-D6C7DFDC589F}" vid="{4A3C46E8-61CC-4603-A589-7422A47A8E4A}"/>
+      <thm15:themeFamily xmlns="" xmlns:thm15="http://schemas.microsoft.com/office/thememl/2012/main" name="Office Theme" id="{62F939B6-93AF-4DB8-9C6B-D6C7DFDC589F}" vid="{4A3C46E8-61CC-4603-A589-7422A47A8E4A}"/>
     </a:ext>
   </a:extLst>
 </a:theme>
